--- a/Analysis/3_Venn diagram/Disensus/Modified Venn disensus.pptx
+++ b/Analysis/3_Venn diagram/Disensus/Modified Venn disensus.pptx
@@ -115,7 +115,7 @@
 <file path=ppt/revisionInfo.xml><?xml version="1.0" encoding="utf-8"?>
 <p1510:revInfo xmlns:a="http://schemas.openxmlformats.org/drawingml/2006/main" xmlns:r="http://schemas.openxmlformats.org/officeDocument/2006/relationships" xmlns:p1510="http://schemas.microsoft.com/office/powerpoint/2015/10/main">
   <p1510:revLst>
-    <p1510:client id="{96A6B67E-0991-4078-9ED3-5E35C8F539F3}" v="20" dt="2025-06-26T16:23:07.017"/>
+    <p1510:client id="{96A6B67E-0991-4078-9ED3-5E35C8F539F3}" v="38" dt="2025-06-30T11:18:08.005"/>
   </p1510:revLst>
 </p1510:revInfo>
 </file>
@@ -125,34 +125,58 @@
   <pc:docChgLst>
     <pc:chgData name="Louis Delannoy" userId="6bbd738b-f5c9-466e-9925-69f65ad2c6d1" providerId="ADAL" clId="{96A6B67E-0991-4078-9ED3-5E35C8F539F3}"/>
     <pc:docChg chg="undo custSel modSld">
-      <pc:chgData name="Louis Delannoy" userId="6bbd738b-f5c9-466e-9925-69f65ad2c6d1" providerId="ADAL" clId="{96A6B67E-0991-4078-9ED3-5E35C8F539F3}" dt="2025-06-26T16:23:07.017" v="321"/>
+      <pc:chgData name="Louis Delannoy" userId="6bbd738b-f5c9-466e-9925-69f65ad2c6d1" providerId="ADAL" clId="{96A6B67E-0991-4078-9ED3-5E35C8F539F3}" dt="2025-06-30T11:18:16.943" v="562" actId="1076"/>
       <pc:docMkLst>
         <pc:docMk/>
       </pc:docMkLst>
       <pc:sldChg chg="addSp delSp modSp mod">
-        <pc:chgData name="Louis Delannoy" userId="6bbd738b-f5c9-466e-9925-69f65ad2c6d1" providerId="ADAL" clId="{96A6B67E-0991-4078-9ED3-5E35C8F539F3}" dt="2025-06-26T16:23:07.017" v="321"/>
+        <pc:chgData name="Louis Delannoy" userId="6bbd738b-f5c9-466e-9925-69f65ad2c6d1" providerId="ADAL" clId="{96A6B67E-0991-4078-9ED3-5E35C8F539F3}" dt="2025-06-30T11:18:16.943" v="562" actId="1076"/>
         <pc:sldMkLst>
           <pc:docMk/>
           <pc:sldMk cId="2961768801" sldId="257"/>
         </pc:sldMkLst>
-        <pc:spChg chg="del mod">
-          <ac:chgData name="Louis Delannoy" userId="6bbd738b-f5c9-466e-9925-69f65ad2c6d1" providerId="ADAL" clId="{96A6B67E-0991-4078-9ED3-5E35C8F539F3}" dt="2025-06-26T16:17:15.349" v="68" actId="478"/>
+        <pc:spChg chg="mod">
+          <ac:chgData name="Louis Delannoy" userId="6bbd738b-f5c9-466e-9925-69f65ad2c6d1" providerId="ADAL" clId="{96A6B67E-0991-4078-9ED3-5E35C8F539F3}" dt="2025-06-30T11:12:57.238" v="495"/>
           <ac:spMkLst>
             <pc:docMk/>
             <pc:sldMk cId="2961768801" sldId="257"/>
-            <ac:spMk id="5" creationId="{22372A36-986E-0CB5-3870-E99F03704E99}"/>
+            <ac:spMk id="14" creationId="{BA9E2E0C-6308-F30C-C20B-A34BA055ED5D}"/>
           </ac:spMkLst>
         </pc:spChg>
         <pc:spChg chg="mod">
-          <ac:chgData name="Louis Delannoy" userId="6bbd738b-f5c9-466e-9925-69f65ad2c6d1" providerId="ADAL" clId="{96A6B67E-0991-4078-9ED3-5E35C8F539F3}" dt="2025-06-26T16:22:19.894" v="307" actId="1076"/>
+          <ac:chgData name="Louis Delannoy" userId="6bbd738b-f5c9-466e-9925-69f65ad2c6d1" providerId="ADAL" clId="{96A6B67E-0991-4078-9ED3-5E35C8F539F3}" dt="2025-06-30T11:13:06.799" v="502" actId="20577"/>
+          <ac:spMkLst>
+            <pc:docMk/>
+            <pc:sldMk cId="2961768801" sldId="257"/>
+            <ac:spMk id="15" creationId="{CFA0B97B-5B30-DEF0-98BB-E6E67401F065}"/>
+          </ac:spMkLst>
+        </pc:spChg>
+        <pc:spChg chg="mod">
+          <ac:chgData name="Louis Delannoy" userId="6bbd738b-f5c9-466e-9925-69f65ad2c6d1" providerId="ADAL" clId="{96A6B67E-0991-4078-9ED3-5E35C8F539F3}" dt="2025-06-30T11:15:43.817" v="504" actId="1076"/>
+          <ac:spMkLst>
+            <pc:docMk/>
+            <pc:sldMk cId="2961768801" sldId="257"/>
+            <ac:spMk id="16" creationId="{4C836D0C-5699-72D9-A008-6418E72E3226}"/>
+          </ac:spMkLst>
+        </pc:spChg>
+        <pc:spChg chg="add del mod">
+          <ac:chgData name="Louis Delannoy" userId="6bbd738b-f5c9-466e-9925-69f65ad2c6d1" providerId="ADAL" clId="{96A6B67E-0991-4078-9ED3-5E35C8F539F3}" dt="2025-06-30T11:06:46.576" v="367"/>
           <ac:spMkLst>
             <pc:docMk/>
             <pc:sldMk cId="2961768801" sldId="257"/>
             <ac:spMk id="21" creationId="{1CF582B4-7DB6-21B5-79FD-7B65DD0B23A4}"/>
           </ac:spMkLst>
         </pc:spChg>
+        <pc:spChg chg="add mod">
+          <ac:chgData name="Louis Delannoy" userId="6bbd738b-f5c9-466e-9925-69f65ad2c6d1" providerId="ADAL" clId="{96A6B67E-0991-4078-9ED3-5E35C8F539F3}" dt="2025-06-30T11:17:21.688" v="553" actId="1035"/>
+          <ac:spMkLst>
+            <pc:docMk/>
+            <pc:sldMk cId="2961768801" sldId="257"/>
+            <ac:spMk id="26" creationId="{C9738FC3-3209-A214-8119-E065812F4AF9}"/>
+          </ac:spMkLst>
+        </pc:spChg>
         <pc:spChg chg="mod">
-          <ac:chgData name="Louis Delannoy" userId="6bbd738b-f5c9-466e-9925-69f65ad2c6d1" providerId="ADAL" clId="{96A6B67E-0991-4078-9ED3-5E35C8F539F3}" dt="2025-06-26T16:22:47.756" v="318" actId="1035"/>
+          <ac:chgData name="Louis Delannoy" userId="6bbd738b-f5c9-466e-9925-69f65ad2c6d1" providerId="ADAL" clId="{96A6B67E-0991-4078-9ED3-5E35C8F539F3}" dt="2025-06-30T11:16:23.371" v="537" actId="1076"/>
           <ac:spMkLst>
             <pc:docMk/>
             <pc:sldMk cId="2961768801" sldId="257"/>
@@ -160,31 +184,15 @@
           </ac:spMkLst>
         </pc:spChg>
         <pc:spChg chg="mod">
-          <ac:chgData name="Louis Delannoy" userId="6bbd738b-f5c9-466e-9925-69f65ad2c6d1" providerId="ADAL" clId="{96A6B67E-0991-4078-9ED3-5E35C8F539F3}" dt="2025-06-26T16:22:12.916" v="305" actId="1076"/>
+          <ac:chgData name="Louis Delannoy" userId="6bbd738b-f5c9-466e-9925-69f65ad2c6d1" providerId="ADAL" clId="{96A6B67E-0991-4078-9ED3-5E35C8F539F3}" dt="2025-06-30T11:15:51.314" v="509" actId="1035"/>
           <ac:spMkLst>
             <pc:docMk/>
             <pc:sldMk cId="2961768801" sldId="257"/>
             <ac:spMk id="34" creationId="{BF6D58F0-8E02-CEAE-77D3-ACCA28DF573A}"/>
           </ac:spMkLst>
         </pc:spChg>
-        <pc:spChg chg="del">
-          <ac:chgData name="Louis Delannoy" userId="6bbd738b-f5c9-466e-9925-69f65ad2c6d1" providerId="ADAL" clId="{96A6B67E-0991-4078-9ED3-5E35C8F539F3}" dt="2025-06-26T16:16:07.986" v="31" actId="478"/>
-          <ac:spMkLst>
-            <pc:docMk/>
-            <pc:sldMk cId="2961768801" sldId="257"/>
-            <ac:spMk id="35" creationId="{ABB18632-1E0B-7EFC-90A8-D97254130074}"/>
-          </ac:spMkLst>
-        </pc:spChg>
-        <pc:spChg chg="del">
-          <ac:chgData name="Louis Delannoy" userId="6bbd738b-f5c9-466e-9925-69f65ad2c6d1" providerId="ADAL" clId="{96A6B67E-0991-4078-9ED3-5E35C8F539F3}" dt="2025-06-26T16:16:07.986" v="31" actId="478"/>
-          <ac:spMkLst>
-            <pc:docMk/>
-            <pc:sldMk cId="2961768801" sldId="257"/>
-            <ac:spMk id="36" creationId="{F247A271-06F6-D781-DA07-433FB89C38CB}"/>
-          </ac:spMkLst>
-        </pc:spChg>
         <pc:spChg chg="mod">
-          <ac:chgData name="Louis Delannoy" userId="6bbd738b-f5c9-466e-9925-69f65ad2c6d1" providerId="ADAL" clId="{96A6B67E-0991-4078-9ED3-5E35C8F539F3}" dt="2025-06-26T16:20:21.945" v="277" actId="1076"/>
+          <ac:chgData name="Louis Delannoy" userId="6bbd738b-f5c9-466e-9925-69f65ad2c6d1" providerId="ADAL" clId="{96A6B67E-0991-4078-9ED3-5E35C8F539F3}" dt="2025-06-30T11:07:24.288" v="394" actId="1035"/>
           <ac:spMkLst>
             <pc:docMk/>
             <pc:sldMk cId="2961768801" sldId="257"/>
@@ -192,63 +200,63 @@
           </ac:spMkLst>
         </pc:spChg>
         <pc:spChg chg="add mod">
-          <ac:chgData name="Louis Delannoy" userId="6bbd738b-f5c9-466e-9925-69f65ad2c6d1" providerId="ADAL" clId="{96A6B67E-0991-4078-9ED3-5E35C8F539F3}" dt="2025-06-26T16:23:07.017" v="321"/>
+          <ac:chgData name="Louis Delannoy" userId="6bbd738b-f5c9-466e-9925-69f65ad2c6d1" providerId="ADAL" clId="{96A6B67E-0991-4078-9ED3-5E35C8F539F3}" dt="2025-06-30T11:18:16.943" v="562" actId="1076"/>
+          <ac:spMkLst>
+            <pc:docMk/>
+            <pc:sldMk cId="2961768801" sldId="257"/>
+            <ac:spMk id="46" creationId="{33818200-8A21-6246-F9A6-1198C515AB8E}"/>
+          </ac:spMkLst>
+        </pc:spChg>
+        <pc:spChg chg="add del mod">
+          <ac:chgData name="Louis Delannoy" userId="6bbd738b-f5c9-466e-9925-69f65ad2c6d1" providerId="ADAL" clId="{96A6B67E-0991-4078-9ED3-5E35C8F539F3}" dt="2025-06-30T11:11:04.069" v="446" actId="478"/>
           <ac:spMkLst>
             <pc:docMk/>
             <pc:sldMk cId="2961768801" sldId="257"/>
             <ac:spMk id="47" creationId="{03359BAE-6FB6-95F5-2CA1-A4CEBA7FE061}"/>
           </ac:spMkLst>
         </pc:spChg>
-        <pc:picChg chg="add mod">
-          <ac:chgData name="Louis Delannoy" userId="6bbd738b-f5c9-466e-9925-69f65ad2c6d1" providerId="ADAL" clId="{96A6B67E-0991-4078-9ED3-5E35C8F539F3}" dt="2025-06-26T16:15:01.046" v="4"/>
+        <pc:spChg chg="add mod">
+          <ac:chgData name="Louis Delannoy" userId="6bbd738b-f5c9-466e-9925-69f65ad2c6d1" providerId="ADAL" clId="{96A6B67E-0991-4078-9ED3-5E35C8F539F3}" dt="2025-06-30T11:17:56.250" v="559" actId="1076"/>
+          <ac:spMkLst>
+            <pc:docMk/>
+            <pc:sldMk cId="2961768801" sldId="257"/>
+            <ac:spMk id="48" creationId="{D702D8F9-A80E-24F2-5F3B-4FD742DBDDE3}"/>
+          </ac:spMkLst>
+        </pc:spChg>
+        <pc:picChg chg="add del mod">
+          <ac:chgData name="Louis Delannoy" userId="6bbd738b-f5c9-466e-9925-69f65ad2c6d1" providerId="ADAL" clId="{96A6B67E-0991-4078-9ED3-5E35C8F539F3}" dt="2025-06-30T11:04:52.361" v="333" actId="21"/>
           <ac:picMkLst>
             <pc:docMk/>
             <pc:sldMk cId="2961768801" sldId="257"/>
-            <ac:picMk id="3" creationId="{EBEF562B-1F15-6880-1C6F-04EC837D4773}"/>
+            <ac:picMk id="3" creationId="{13888F76-9437-61CD-81CD-60720BF31950}"/>
           </ac:picMkLst>
         </pc:picChg>
         <pc:picChg chg="add mod ord">
-          <ac:chgData name="Louis Delannoy" userId="6bbd738b-f5c9-466e-9925-69f65ad2c6d1" providerId="ADAL" clId="{96A6B67E-0991-4078-9ED3-5E35C8F539F3}" dt="2025-06-26T16:15:14.658" v="16"/>
+          <ac:chgData name="Louis Delannoy" userId="6bbd738b-f5c9-466e-9925-69f65ad2c6d1" providerId="ADAL" clId="{96A6B67E-0991-4078-9ED3-5E35C8F539F3}" dt="2025-06-30T11:04:59.504" v="336" actId="167"/>
           <ac:picMkLst>
             <pc:docMk/>
             <pc:sldMk cId="2961768801" sldId="257"/>
-            <ac:picMk id="11" creationId="{72A8E3AC-A4D3-B718-A99F-AF62D693F1A3}"/>
+            <ac:picMk id="4" creationId="{13888F76-9437-61CD-81CD-60720BF31950}"/>
           </ac:picMkLst>
         </pc:picChg>
-        <pc:picChg chg="add del mod">
-          <ac:chgData name="Louis Delannoy" userId="6bbd738b-f5c9-466e-9925-69f65ad2c6d1" providerId="ADAL" clId="{96A6B67E-0991-4078-9ED3-5E35C8F539F3}" dt="2025-06-26T16:15:45.229" v="27" actId="21"/>
-          <ac:picMkLst>
-            <pc:docMk/>
-            <pc:sldMk cId="2961768801" sldId="257"/>
-            <ac:picMk id="23" creationId="{D5555540-87C7-C726-3D95-EECA957578DB}"/>
-          </ac:picMkLst>
-        </pc:picChg>
-        <pc:picChg chg="add mod ord">
-          <ac:chgData name="Louis Delannoy" userId="6bbd738b-f5c9-466e-9925-69f65ad2c6d1" providerId="ADAL" clId="{96A6B67E-0991-4078-9ED3-5E35C8F539F3}" dt="2025-06-26T16:15:50.631" v="30" actId="167"/>
+        <pc:picChg chg="add del mod ord">
+          <ac:chgData name="Louis Delannoy" userId="6bbd738b-f5c9-466e-9925-69f65ad2c6d1" providerId="ADAL" clId="{96A6B67E-0991-4078-9ED3-5E35C8F539F3}" dt="2025-06-30T11:04:55.749" v="334" actId="478"/>
           <ac:picMkLst>
             <pc:docMk/>
             <pc:sldMk cId="2961768801" sldId="257"/>
             <ac:picMk id="24" creationId="{D5555540-87C7-C726-3D95-EECA957578DB}"/>
           </ac:picMkLst>
         </pc:picChg>
-        <pc:picChg chg="add del">
-          <ac:chgData name="Louis Delannoy" userId="6bbd738b-f5c9-466e-9925-69f65ad2c6d1" providerId="ADAL" clId="{96A6B67E-0991-4078-9ED3-5E35C8F539F3}" dt="2025-06-26T16:15:47.017" v="28" actId="478"/>
-          <ac:picMkLst>
-            <pc:docMk/>
-            <pc:sldMk cId="2961768801" sldId="257"/>
-            <ac:picMk id="25" creationId="{B07332DF-59AA-8D81-4E76-E47DA413B79F}"/>
-          </ac:picMkLst>
-        </pc:picChg>
-        <pc:cxnChg chg="del">
-          <ac:chgData name="Louis Delannoy" userId="6bbd738b-f5c9-466e-9925-69f65ad2c6d1" providerId="ADAL" clId="{96A6B67E-0991-4078-9ED3-5E35C8F539F3}" dt="2025-06-26T16:16:07.986" v="31" actId="478"/>
+        <pc:cxnChg chg="add mod">
+          <ac:chgData name="Louis Delannoy" userId="6bbd738b-f5c9-466e-9925-69f65ad2c6d1" providerId="ADAL" clId="{96A6B67E-0991-4078-9ED3-5E35C8F539F3}" dt="2025-06-30T11:05:30.813" v="358" actId="14100"/>
           <ac:cxnSpMkLst>
             <pc:docMk/>
             <pc:sldMk cId="2961768801" sldId="257"/>
-            <ac:cxnSpMk id="10" creationId="{10D96FDC-F237-7463-060E-C8B1904215B6}"/>
+            <ac:cxnSpMk id="10" creationId="{6B4EDB1F-9BA1-899C-710C-552812E75685}"/>
           </ac:cxnSpMkLst>
         </pc:cxnChg>
-        <pc:cxnChg chg="mod">
-          <ac:chgData name="Louis Delannoy" userId="6bbd738b-f5c9-466e-9925-69f65ad2c6d1" providerId="ADAL" clId="{96A6B67E-0991-4078-9ED3-5E35C8F539F3}" dt="2025-06-26T16:18:07.232" v="232" actId="1035"/>
+        <pc:cxnChg chg="del mod">
+          <ac:chgData name="Louis Delannoy" userId="6bbd738b-f5c9-466e-9925-69f65ad2c6d1" providerId="ADAL" clId="{96A6B67E-0991-4078-9ED3-5E35C8F539F3}" dt="2025-06-30T11:06:10.127" v="364" actId="478"/>
           <ac:cxnSpMkLst>
             <pc:docMk/>
             <pc:sldMk cId="2961768801" sldId="257"/>
@@ -256,31 +264,23 @@
           </ac:cxnSpMkLst>
         </pc:cxnChg>
         <pc:cxnChg chg="mod">
-          <ac:chgData name="Louis Delannoy" userId="6bbd738b-f5c9-466e-9925-69f65ad2c6d1" providerId="ADAL" clId="{96A6B67E-0991-4078-9ED3-5E35C8F539F3}" dt="2025-06-26T16:17:33.756" v="104" actId="1035"/>
+          <ac:chgData name="Louis Delannoy" userId="6bbd738b-f5c9-466e-9925-69f65ad2c6d1" providerId="ADAL" clId="{96A6B67E-0991-4078-9ED3-5E35C8F539F3}" dt="2025-06-30T11:07:24.288" v="394" actId="1035"/>
           <ac:cxnSpMkLst>
             <pc:docMk/>
             <pc:sldMk cId="2961768801" sldId="257"/>
             <ac:cxnSpMk id="17" creationId="{238A2C4C-13A3-6363-47CD-1AEFE760B9AE}"/>
           </ac:cxnSpMkLst>
         </pc:cxnChg>
-        <pc:cxnChg chg="del">
-          <ac:chgData name="Louis Delannoy" userId="6bbd738b-f5c9-466e-9925-69f65ad2c6d1" providerId="ADAL" clId="{96A6B67E-0991-4078-9ED3-5E35C8F539F3}" dt="2025-06-26T16:16:07.986" v="31" actId="478"/>
+        <pc:cxnChg chg="add mod">
+          <ac:chgData name="Louis Delannoy" userId="6bbd738b-f5c9-466e-9925-69f65ad2c6d1" providerId="ADAL" clId="{96A6B67E-0991-4078-9ED3-5E35C8F539F3}" dt="2025-06-30T11:06:05.143" v="363" actId="14100"/>
           <ac:cxnSpMkLst>
             <pc:docMk/>
             <pc:sldMk cId="2961768801" sldId="257"/>
-            <ac:cxnSpMk id="18" creationId="{BC3C4711-A109-0239-0C43-D441B67DD97B}"/>
-          </ac:cxnSpMkLst>
-        </pc:cxnChg>
-        <pc:cxnChg chg="del mod">
-          <ac:chgData name="Louis Delannoy" userId="6bbd738b-f5c9-466e-9925-69f65ad2c6d1" providerId="ADAL" clId="{96A6B67E-0991-4078-9ED3-5E35C8F539F3}" dt="2025-06-26T16:17:11.893" v="67" actId="478"/>
-          <ac:cxnSpMkLst>
-            <pc:docMk/>
-            <pc:sldMk cId="2961768801" sldId="257"/>
-            <ac:cxnSpMk id="20" creationId="{583FB0CB-B9F4-ED62-268A-9907BA49D8D2}"/>
+            <ac:cxnSpMk id="18" creationId="{FA82E548-0F28-2EC5-36B5-B5295701D086}"/>
           </ac:cxnSpMkLst>
         </pc:cxnChg>
         <pc:cxnChg chg="mod">
-          <ac:chgData name="Louis Delannoy" userId="6bbd738b-f5c9-466e-9925-69f65ad2c6d1" providerId="ADAL" clId="{96A6B67E-0991-4078-9ED3-5E35C8F539F3}" dt="2025-06-26T16:18:20.329" v="250" actId="14100"/>
+          <ac:chgData name="Louis Delannoy" userId="6bbd738b-f5c9-466e-9925-69f65ad2c6d1" providerId="ADAL" clId="{96A6B67E-0991-4078-9ED3-5E35C8F539F3}" dt="2025-06-30T11:07:29.632" v="395" actId="14100"/>
           <ac:cxnSpMkLst>
             <pc:docMk/>
             <pc:sldMk cId="2961768801" sldId="257"/>
@@ -288,15 +288,23 @@
           </ac:cxnSpMkLst>
         </pc:cxnChg>
         <pc:cxnChg chg="mod">
-          <ac:chgData name="Louis Delannoy" userId="6bbd738b-f5c9-466e-9925-69f65ad2c6d1" providerId="ADAL" clId="{96A6B67E-0991-4078-9ED3-5E35C8F539F3}" dt="2025-06-26T16:22:29.908" v="312" actId="1036"/>
+          <ac:chgData name="Louis Delannoy" userId="6bbd738b-f5c9-466e-9925-69f65ad2c6d1" providerId="ADAL" clId="{96A6B67E-0991-4078-9ED3-5E35C8F539F3}" dt="2025-06-30T11:16:09.888" v="536" actId="1036"/>
           <ac:cxnSpMkLst>
             <pc:docMk/>
             <pc:sldMk cId="2961768801" sldId="257"/>
             <ac:cxnSpMk id="28" creationId="{59EB3DA7-056E-2310-0848-E7953444439C}"/>
           </ac:cxnSpMkLst>
         </pc:cxnChg>
-        <pc:cxnChg chg="mod">
-          <ac:chgData name="Louis Delannoy" userId="6bbd738b-f5c9-466e-9925-69f65ad2c6d1" providerId="ADAL" clId="{96A6B67E-0991-4078-9ED3-5E35C8F539F3}" dt="2025-06-26T16:16:24.709" v="52" actId="1035"/>
+        <pc:cxnChg chg="add mod">
+          <ac:chgData name="Louis Delannoy" userId="6bbd738b-f5c9-466e-9925-69f65ad2c6d1" providerId="ADAL" clId="{96A6B67E-0991-4078-9ED3-5E35C8F539F3}" dt="2025-06-30T11:15:56.560" v="510" actId="14100"/>
+          <ac:cxnSpMkLst>
+            <pc:docMk/>
+            <pc:sldMk cId="2961768801" sldId="257"/>
+            <ac:cxnSpMk id="29" creationId="{5EDBF29C-6F0C-68AC-C2B3-7B858B59EB7F}"/>
+          </ac:cxnSpMkLst>
+        </pc:cxnChg>
+        <pc:cxnChg chg="del mod">
+          <ac:chgData name="Louis Delannoy" userId="6bbd738b-f5c9-466e-9925-69f65ad2c6d1" providerId="ADAL" clId="{96A6B67E-0991-4078-9ED3-5E35C8F539F3}" dt="2025-06-30T11:16:02.304" v="511" actId="478"/>
           <ac:cxnSpMkLst>
             <pc:docMk/>
             <pc:sldMk cId="2961768801" sldId="257"/>
@@ -304,31 +312,31 @@
           </ac:cxnSpMkLst>
         </pc:cxnChg>
         <pc:cxnChg chg="add mod">
-          <ac:chgData name="Louis Delannoy" userId="6bbd738b-f5c9-466e-9925-69f65ad2c6d1" providerId="ADAL" clId="{96A6B67E-0991-4078-9ED3-5E35C8F539F3}" dt="2025-06-26T16:22:29.908" v="312" actId="1036"/>
+          <ac:chgData name="Louis Delannoy" userId="6bbd738b-f5c9-466e-9925-69f65ad2c6d1" providerId="ADAL" clId="{96A6B67E-0991-4078-9ED3-5E35C8F539F3}" dt="2025-06-30T11:16:27.042" v="538" actId="14100"/>
           <ac:cxnSpMkLst>
             <pc:docMk/>
             <pc:sldMk cId="2961768801" sldId="257"/>
             <ac:cxnSpMk id="33" creationId="{205F3CD2-BC5C-1937-F4C6-E8B23F592DC1}"/>
           </ac:cxnSpMkLst>
         </pc:cxnChg>
-        <pc:cxnChg chg="del">
-          <ac:chgData name="Louis Delannoy" userId="6bbd738b-f5c9-466e-9925-69f65ad2c6d1" providerId="ADAL" clId="{96A6B67E-0991-4078-9ED3-5E35C8F539F3}" dt="2025-06-26T16:16:11.064" v="32" actId="478"/>
+        <pc:cxnChg chg="add mod">
+          <ac:chgData name="Louis Delannoy" userId="6bbd738b-f5c9-466e-9925-69f65ad2c6d1" providerId="ADAL" clId="{96A6B67E-0991-4078-9ED3-5E35C8F539F3}" dt="2025-06-30T11:16:47.502" v="542" actId="14100"/>
           <ac:cxnSpMkLst>
             <pc:docMk/>
             <pc:sldMk cId="2961768801" sldId="257"/>
-            <ac:cxnSpMk id="38" creationId="{458CE805-9C7B-BEF1-76BF-930D1A8E0ABE}"/>
+            <ac:cxnSpMk id="40" creationId="{24C9E22E-EAB5-E246-AEC0-4393F7341AC0}"/>
           </ac:cxnSpMkLst>
         </pc:cxnChg>
-        <pc:cxnChg chg="del">
-          <ac:chgData name="Louis Delannoy" userId="6bbd738b-f5c9-466e-9925-69f65ad2c6d1" providerId="ADAL" clId="{96A6B67E-0991-4078-9ED3-5E35C8F539F3}" dt="2025-06-26T16:16:07.986" v="31" actId="478"/>
+        <pc:cxnChg chg="add mod">
+          <ac:chgData name="Louis Delannoy" userId="6bbd738b-f5c9-466e-9925-69f65ad2c6d1" providerId="ADAL" clId="{96A6B67E-0991-4078-9ED3-5E35C8F539F3}" dt="2025-06-30T11:17:06.517" v="550" actId="1035"/>
           <ac:cxnSpMkLst>
             <pc:docMk/>
             <pc:sldMk cId="2961768801" sldId="257"/>
-            <ac:cxnSpMk id="42" creationId="{915A3883-64E9-B001-7692-4703918ABA90}"/>
+            <ac:cxnSpMk id="43" creationId="{C7584656-6ECC-CE48-56BA-B9EBEFABE1E0}"/>
           </ac:cxnSpMkLst>
         </pc:cxnChg>
         <pc:cxnChg chg="add mod">
-          <ac:chgData name="Louis Delannoy" userId="6bbd738b-f5c9-466e-9925-69f65ad2c6d1" providerId="ADAL" clId="{96A6B67E-0991-4078-9ED3-5E35C8F539F3}" dt="2025-06-26T16:19:28.247" v="271" actId="1035"/>
+          <ac:chgData name="Louis Delannoy" userId="6bbd738b-f5c9-466e-9925-69f65ad2c6d1" providerId="ADAL" clId="{96A6B67E-0991-4078-9ED3-5E35C8F539F3}" dt="2025-06-30T11:15:51.314" v="509" actId="1035"/>
           <ac:cxnSpMkLst>
             <pc:docMk/>
             <pc:sldMk cId="2961768801" sldId="257"/>
@@ -490,7 +498,7 @@
           <a:p>
             <a:fld id="{6E9C2EB9-ED68-4486-85BD-9CBFDE53D203}" type="datetimeFigureOut">
               <a:rPr lang="en-SE" smtClean="0"/>
-              <a:t>2025-06-26</a:t>
+              <a:t>2025-06-30</a:t>
             </a:fld>
             <a:endParaRPr lang="en-SE"/>
           </a:p>
@@ -690,7 +698,7 @@
           <a:p>
             <a:fld id="{6E9C2EB9-ED68-4486-85BD-9CBFDE53D203}" type="datetimeFigureOut">
               <a:rPr lang="en-SE" smtClean="0"/>
-              <a:t>2025-06-26</a:t>
+              <a:t>2025-06-30</a:t>
             </a:fld>
             <a:endParaRPr lang="en-SE"/>
           </a:p>
@@ -900,7 +908,7 @@
           <a:p>
             <a:fld id="{6E9C2EB9-ED68-4486-85BD-9CBFDE53D203}" type="datetimeFigureOut">
               <a:rPr lang="en-SE" smtClean="0"/>
-              <a:t>2025-06-26</a:t>
+              <a:t>2025-06-30</a:t>
             </a:fld>
             <a:endParaRPr lang="en-SE"/>
           </a:p>
@@ -1100,7 +1108,7 @@
           <a:p>
             <a:fld id="{6E9C2EB9-ED68-4486-85BD-9CBFDE53D203}" type="datetimeFigureOut">
               <a:rPr lang="en-SE" smtClean="0"/>
-              <a:t>2025-06-26</a:t>
+              <a:t>2025-06-30</a:t>
             </a:fld>
             <a:endParaRPr lang="en-SE"/>
           </a:p>
@@ -1376,7 +1384,7 @@
           <a:p>
             <a:fld id="{6E9C2EB9-ED68-4486-85BD-9CBFDE53D203}" type="datetimeFigureOut">
               <a:rPr lang="en-SE" smtClean="0"/>
-              <a:t>2025-06-26</a:t>
+              <a:t>2025-06-30</a:t>
             </a:fld>
             <a:endParaRPr lang="en-SE"/>
           </a:p>
@@ -1644,7 +1652,7 @@
           <a:p>
             <a:fld id="{6E9C2EB9-ED68-4486-85BD-9CBFDE53D203}" type="datetimeFigureOut">
               <a:rPr lang="en-SE" smtClean="0"/>
-              <a:t>2025-06-26</a:t>
+              <a:t>2025-06-30</a:t>
             </a:fld>
             <a:endParaRPr lang="en-SE"/>
           </a:p>
@@ -2059,7 +2067,7 @@
           <a:p>
             <a:fld id="{6E9C2EB9-ED68-4486-85BD-9CBFDE53D203}" type="datetimeFigureOut">
               <a:rPr lang="en-SE" smtClean="0"/>
-              <a:t>2025-06-26</a:t>
+              <a:t>2025-06-30</a:t>
             </a:fld>
             <a:endParaRPr lang="en-SE"/>
           </a:p>
@@ -2201,7 +2209,7 @@
           <a:p>
             <a:fld id="{6E9C2EB9-ED68-4486-85BD-9CBFDE53D203}" type="datetimeFigureOut">
               <a:rPr lang="en-SE" smtClean="0"/>
-              <a:t>2025-06-26</a:t>
+              <a:t>2025-06-30</a:t>
             </a:fld>
             <a:endParaRPr lang="en-SE"/>
           </a:p>
@@ -2314,7 +2322,7 @@
           <a:p>
             <a:fld id="{6E9C2EB9-ED68-4486-85BD-9CBFDE53D203}" type="datetimeFigureOut">
               <a:rPr lang="en-SE" smtClean="0"/>
-              <a:t>2025-06-26</a:t>
+              <a:t>2025-06-30</a:t>
             </a:fld>
             <a:endParaRPr lang="en-SE"/>
           </a:p>
@@ -2627,7 +2635,7 @@
           <a:p>
             <a:fld id="{6E9C2EB9-ED68-4486-85BD-9CBFDE53D203}" type="datetimeFigureOut">
               <a:rPr lang="en-SE" smtClean="0"/>
-              <a:t>2025-06-26</a:t>
+              <a:t>2025-06-30</a:t>
             </a:fld>
             <a:endParaRPr lang="en-SE"/>
           </a:p>
@@ -2916,7 +2924,7 @@
           <a:p>
             <a:fld id="{6E9C2EB9-ED68-4486-85BD-9CBFDE53D203}" type="datetimeFigureOut">
               <a:rPr lang="en-SE" smtClean="0"/>
-              <a:t>2025-06-26</a:t>
+              <a:t>2025-06-30</a:t>
             </a:fld>
             <a:endParaRPr lang="en-SE"/>
           </a:p>
@@ -3159,7 +3167,7 @@
           <a:p>
             <a:fld id="{6E9C2EB9-ED68-4486-85BD-9CBFDE53D203}" type="datetimeFigureOut">
               <a:rPr lang="en-SE" smtClean="0"/>
-              <a:t>2025-06-26</a:t>
+              <a:t>2025-06-30</a:t>
             </a:fld>
             <a:endParaRPr lang="en-SE"/>
           </a:p>
@@ -3578,10 +3586,10 @@
       </p:grpSpPr>
       <p:pic>
         <p:nvPicPr>
-          <p:cNvPr id="24" name="Image 23" descr="Une image contenant cercle, créativité&#10;&#10;Le contenu généré par l’IA peut être incorrect.">
-            <a:extLst>
-              <a:ext uri="{FF2B5EF4-FFF2-40B4-BE49-F238E27FC236}">
-                <a16:creationId xmlns:a16="http://schemas.microsoft.com/office/drawing/2014/main" id="{D5555540-87C7-C726-3D95-EECA957578DB}"/>
+          <p:cNvPr id="4" name="Image 3" descr="Une image contenant diagramme, cercle&#10;&#10;Le contenu généré par l’IA peut être incorrect.">
+            <a:extLst>
+              <a:ext uri="{FF2B5EF4-FFF2-40B4-BE49-F238E27FC236}">
+                <a16:creationId xmlns:a16="http://schemas.microsoft.com/office/drawing/2014/main" id="{13888F76-9437-61CD-81CD-60720BF31950}"/>
               </a:ext>
             </a:extLst>
           </p:cNvPr>
@@ -3604,8 +3612,8 @@
         </p:blipFill>
         <p:spPr>
           <a:xfrm>
-            <a:off x="2571224" y="1071741"/>
-            <a:ext cx="7071778" cy="4714518"/>
+            <a:off x="2571224" y="1071740"/>
+            <a:ext cx="7071778" cy="4714519"/>
           </a:xfrm>
           <a:prstGeom prst="rect">
             <a:avLst/>
@@ -3798,7 +3806,7 @@
               <a:rPr lang="en-GB" dirty="0">
                 <a:latin typeface="+mj-lt"/>
               </a:rPr>
-              <a:t>F3 – Multilateral governance</a:t>
+              <a:t>F3 – Global governance</a:t>
             </a:r>
             <a:endParaRPr lang="en-SE" dirty="0">
               <a:latin typeface="+mj-lt"/>
@@ -3951,7 +3959,7 @@
               <a:rPr lang="en-GB" dirty="0">
                 <a:latin typeface="+mj-lt"/>
               </a:rPr>
-              <a:t>F1 – Capital-rooted interdependence</a:t>
+              <a:t>F1 – Analytical tractability</a:t>
             </a:r>
             <a:endParaRPr lang="en-SE" dirty="0">
               <a:latin typeface="+mj-lt"/>
@@ -3973,8 +3981,8 @@
         </p:nvSpPr>
         <p:spPr>
           <a:xfrm>
-            <a:off x="7157680" y="5355321"/>
-            <a:ext cx="2261432" cy="369332"/>
+            <a:off x="7157680" y="5219547"/>
+            <a:ext cx="2261432" cy="646331"/>
           </a:xfrm>
           <a:prstGeom prst="rect">
             <a:avLst/>
@@ -3992,7 +4000,7 @@
               <a:rPr lang="en-GB" dirty="0">
                 <a:latin typeface="+mj-lt"/>
               </a:rPr>
-              <a:t>F4 – Postcolonialism</a:t>
+              <a:t>F4 – Conceptual stringency</a:t>
             </a:r>
             <a:endParaRPr lang="en-SE" dirty="0">
               <a:latin typeface="+mj-lt"/>
@@ -4000,12 +4008,53 @@
           </a:p>
         </p:txBody>
       </p:sp>
+      <p:sp>
+        <p:nvSpPr>
+          <p:cNvPr id="21" name="ZoneTexte 20">
+            <a:extLst>
+              <a:ext uri="{FF2B5EF4-FFF2-40B4-BE49-F238E27FC236}">
+                <a16:creationId xmlns:a16="http://schemas.microsoft.com/office/drawing/2014/main" id="{1CF582B4-7DB6-21B5-79FD-7B65DD0B23A4}"/>
+              </a:ext>
+            </a:extLst>
+          </p:cNvPr>
+          <p:cNvSpPr txBox="1"/>
+          <p:nvPr/>
+        </p:nvSpPr>
+        <p:spPr>
+          <a:xfrm>
+            <a:off x="8998997" y="2467065"/>
+            <a:ext cx="3162649" cy="307777"/>
+          </a:xfrm>
+          <a:prstGeom prst="rect">
+            <a:avLst/>
+          </a:prstGeom>
+          <a:noFill/>
+        </p:spPr>
+        <p:txBody>
+          <a:bodyPr wrap="square" rtlCol="0">
+            <a:spAutoFit/>
+          </a:bodyPr>
+          <a:lstStyle/>
+          <a:p>
+            <a:pPr algn="ctr"/>
+            <a:r>
+              <a:rPr lang="en-GB" sz="1400" dirty="0">
+                <a:latin typeface="+mj-lt"/>
+              </a:rPr>
+              <a:t>Responses must be coordinated.</a:t>
+            </a:r>
+            <a:endParaRPr lang="en-SE" sz="1400" dirty="0">
+              <a:latin typeface="+mj-lt"/>
+            </a:endParaRPr>
+          </a:p>
+        </p:txBody>
+      </p:sp>
       <p:cxnSp>
         <p:nvCxnSpPr>
-          <p:cNvPr id="12" name="Connecteur droit 11">
-            <a:extLst>
-              <a:ext uri="{FF2B5EF4-FFF2-40B4-BE49-F238E27FC236}">
-                <a16:creationId xmlns:a16="http://schemas.microsoft.com/office/drawing/2014/main" id="{B59392AA-1F8D-6C7C-152D-5F3DA3F5EF4D}"/>
+          <p:cNvPr id="17" name="Connecteur droit 16">
+            <a:extLst>
+              <a:ext uri="{FF2B5EF4-FFF2-40B4-BE49-F238E27FC236}">
+                <a16:creationId xmlns:a16="http://schemas.microsoft.com/office/drawing/2014/main" id="{238A2C4C-13A3-6363-47CD-1AEFE760B9AE}"/>
               </a:ext>
             </a:extLst>
           </p:cNvPr>
@@ -4016,127 +4065,8 @@
         </p:nvCxnSpPr>
         <p:spPr>
           <a:xfrm>
-            <a:off x="6802438" y="2833975"/>
-            <a:ext cx="2203144" cy="0"/>
-          </a:xfrm>
-          <a:prstGeom prst="line">
-            <a:avLst/>
-          </a:prstGeom>
-          <a:ln w="12700">
-            <a:solidFill>
-              <a:schemeClr val="accent2"/>
-            </a:solidFill>
-          </a:ln>
-        </p:spPr>
-        <p:style>
-          <a:lnRef idx="2">
-            <a:schemeClr val="dk1"/>
-          </a:lnRef>
-          <a:fillRef idx="0">
-            <a:schemeClr val="dk1"/>
-          </a:fillRef>
-          <a:effectRef idx="1">
-            <a:schemeClr val="dk1"/>
-          </a:effectRef>
-          <a:fontRef idx="minor">
-            <a:schemeClr val="tx1"/>
-          </a:fontRef>
-        </p:style>
-      </p:cxnSp>
-      <p:sp>
-        <p:nvSpPr>
-          <p:cNvPr id="21" name="ZoneTexte 20">
-            <a:extLst>
-              <a:ext uri="{FF2B5EF4-FFF2-40B4-BE49-F238E27FC236}">
-                <a16:creationId xmlns:a16="http://schemas.microsoft.com/office/drawing/2014/main" id="{1CF582B4-7DB6-21B5-79FD-7B65DD0B23A4}"/>
-              </a:ext>
-            </a:extLst>
-          </p:cNvPr>
-          <p:cNvSpPr txBox="1"/>
-          <p:nvPr/>
-        </p:nvSpPr>
-        <p:spPr>
-          <a:xfrm>
-            <a:off x="8998997" y="2467065"/>
-            <a:ext cx="3162649" cy="646331"/>
-          </a:xfrm>
-          <a:prstGeom prst="rect">
-            <a:avLst/>
-          </a:prstGeom>
-          <a:noFill/>
-        </p:spPr>
-        <p:txBody>
-          <a:bodyPr wrap="square" rtlCol="0">
-            <a:spAutoFit/>
-          </a:bodyPr>
-          <a:lstStyle/>
-          <a:p>
-            <a:pPr algn="ctr"/>
-            <a:r>
-              <a:rPr lang="en-GB" sz="1400" dirty="0">
-                <a:latin typeface="+mj-lt"/>
-              </a:rPr>
-              <a:t>The polycrisis is here to stay.</a:t>
-            </a:r>
-            <a:r>
-              <a:rPr lang="en-GB" sz="600" dirty="0">
-                <a:solidFill>
-                  <a:schemeClr val="bg1"/>
-                </a:solidFill>
-                <a:latin typeface="+mj-lt"/>
-              </a:rPr>
-              <a:t>-</a:t>
-            </a:r>
-          </a:p>
-          <a:p>
-            <a:pPr algn="ctr"/>
-            <a:r>
-              <a:rPr lang="en-GB" sz="800" dirty="0">
-                <a:solidFill>
-                  <a:schemeClr val="bg1"/>
-                </a:solidFill>
-              </a:rPr>
-              <a:t>-</a:t>
-            </a:r>
-            <a:endParaRPr lang="en-GB" sz="1200" dirty="0">
-              <a:solidFill>
-                <a:schemeClr val="bg1"/>
-              </a:solidFill>
-              <a:latin typeface="+mj-lt"/>
-            </a:endParaRPr>
-          </a:p>
-          <a:p>
-            <a:pPr algn="ctr"/>
-            <a:r>
-              <a:rPr lang="en-GB" sz="1400" dirty="0">
-                <a:latin typeface="+mj-lt"/>
-              </a:rPr>
-              <a:t>The crises are clearly connected.</a:t>
-            </a:r>
-            <a:endParaRPr lang="en-SE" sz="1400" dirty="0">
-              <a:latin typeface="+mj-lt"/>
-            </a:endParaRPr>
-          </a:p>
-        </p:txBody>
-      </p:sp>
-      <p:cxnSp>
-        <p:nvCxnSpPr>
-          <p:cNvPr id="17" name="Connecteur droit 16">
-            <a:extLst>
-              <a:ext uri="{FF2B5EF4-FFF2-40B4-BE49-F238E27FC236}">
-                <a16:creationId xmlns:a16="http://schemas.microsoft.com/office/drawing/2014/main" id="{238A2C4C-13A3-6363-47CD-1AEFE760B9AE}"/>
-              </a:ext>
-            </a:extLst>
-          </p:cNvPr>
-          <p:cNvCxnSpPr>
-            <a:cxnSpLocks/>
-          </p:cNvCxnSpPr>
-          <p:nvPr/>
-        </p:nvCxnSpPr>
-        <p:spPr>
-          <a:xfrm>
-            <a:off x="3109517" y="2475596"/>
-            <a:ext cx="2862658" cy="0"/>
+            <a:off x="3109517" y="1942196"/>
+            <a:ext cx="2656283" cy="0"/>
           </a:xfrm>
           <a:prstGeom prst="line">
             <a:avLst/>
@@ -4177,9 +4107,9 @@
           <p:nvPr/>
         </p:nvCxnSpPr>
         <p:spPr>
-          <a:xfrm flipV="1">
-            <a:off x="6107113" y="2829543"/>
-            <a:ext cx="695325" cy="1158257"/>
+          <a:xfrm flipH="1" flipV="1">
+            <a:off x="5765800" y="1942196"/>
+            <a:ext cx="269875" cy="410904"/>
           </a:xfrm>
           <a:prstGeom prst="line">
             <a:avLst/>
@@ -4221,7 +4151,7 @@
         </p:nvCxnSpPr>
         <p:spPr>
           <a:xfrm>
-            <a:off x="7556500" y="3846371"/>
+            <a:off x="7556500" y="3693969"/>
             <a:ext cx="1442498" cy="0"/>
           </a:xfrm>
           <a:prstGeom prst="line">
@@ -4262,8 +4192,8 @@
         </p:nvSpPr>
         <p:spPr>
           <a:xfrm>
-            <a:off x="8998998" y="3588623"/>
-            <a:ext cx="3162648" cy="523220"/>
+            <a:off x="9005582" y="3155360"/>
+            <a:ext cx="3162648" cy="1077218"/>
           </a:xfrm>
           <a:prstGeom prst="rect">
             <a:avLst/>
@@ -4281,6 +4211,31 @@
               <a:rPr lang="en-GB" sz="1400" dirty="0">
                 <a:latin typeface="+mj-lt"/>
               </a:rPr>
+              <a:t>We are not in ‘the' polycrisis as much as a polycrisis.</a:t>
+            </a:r>
+          </a:p>
+          <a:p>
+            <a:pPr algn="ctr"/>
+            <a:r>
+              <a:rPr lang="en-GB" sz="800" dirty="0">
+                <a:solidFill>
+                  <a:schemeClr val="bg1"/>
+                </a:solidFill>
+              </a:rPr>
+              <a:t>-</a:t>
+            </a:r>
+            <a:endParaRPr lang="en-GB" sz="2800" dirty="0">
+              <a:solidFill>
+                <a:schemeClr val="bg1"/>
+              </a:solidFill>
+            </a:endParaRPr>
+          </a:p>
+          <a:p>
+            <a:pPr algn="ctr"/>
+            <a:r>
+              <a:rPr lang="en-GB" sz="1400" dirty="0">
+                <a:latin typeface="+mj-lt"/>
+              </a:rPr>
               <a:t>The polycrisis is the product of human interconnectivity.</a:t>
             </a:r>
             <a:endParaRPr lang="en-SE" sz="1400" dirty="0">
@@ -4289,65 +4244,22 @@
           </a:p>
         </p:txBody>
       </p:sp>
-      <p:cxnSp>
-        <p:nvCxnSpPr>
-          <p:cNvPr id="32" name="Connecteur droit 31">
-            <a:extLst>
-              <a:ext uri="{FF2B5EF4-FFF2-40B4-BE49-F238E27FC236}">
-                <a16:creationId xmlns:a16="http://schemas.microsoft.com/office/drawing/2014/main" id="{18037F0D-15D9-E04C-839E-E6BB9DFD78F6}"/>
-              </a:ext>
-            </a:extLst>
-          </p:cNvPr>
-          <p:cNvCxnSpPr>
-            <a:cxnSpLocks/>
-          </p:cNvCxnSpPr>
+      <p:sp>
+        <p:nvSpPr>
+          <p:cNvPr id="34" name="ZoneTexte 33">
+            <a:extLst>
+              <a:ext uri="{FF2B5EF4-FFF2-40B4-BE49-F238E27FC236}">
+                <a16:creationId xmlns:a16="http://schemas.microsoft.com/office/drawing/2014/main" id="{BF6D58F0-8E02-CEAE-77D3-ACCA28DF573A}"/>
+              </a:ext>
+            </a:extLst>
+          </p:cNvPr>
+          <p:cNvSpPr txBox="1"/>
           <p:nvPr/>
-        </p:nvCxnSpPr>
+        </p:nvSpPr>
         <p:spPr>
           <a:xfrm>
-            <a:off x="3109517" y="4726981"/>
-            <a:ext cx="2300683" cy="0"/>
-          </a:xfrm>
-          <a:prstGeom prst="line">
-            <a:avLst/>
-          </a:prstGeom>
-          <a:ln w="12700">
-            <a:solidFill>
-              <a:schemeClr val="accent2"/>
-            </a:solidFill>
-          </a:ln>
-        </p:spPr>
-        <p:style>
-          <a:lnRef idx="2">
-            <a:schemeClr val="dk1"/>
-          </a:lnRef>
-          <a:fillRef idx="0">
-            <a:schemeClr val="dk1"/>
-          </a:fillRef>
-          <a:effectRef idx="1">
-            <a:schemeClr val="dk1"/>
-          </a:effectRef>
-          <a:fontRef idx="minor">
-            <a:schemeClr val="tx1"/>
-          </a:fontRef>
-        </p:style>
-      </p:cxnSp>
-      <p:sp>
-        <p:nvSpPr>
-          <p:cNvPr id="34" name="ZoneTexte 33">
-            <a:extLst>
-              <a:ext uri="{FF2B5EF4-FFF2-40B4-BE49-F238E27FC236}">
-                <a16:creationId xmlns:a16="http://schemas.microsoft.com/office/drawing/2014/main" id="{BF6D58F0-8E02-CEAE-77D3-ACCA28DF573A}"/>
-              </a:ext>
-            </a:extLst>
-          </p:cNvPr>
-          <p:cNvSpPr txBox="1"/>
-          <p:nvPr/>
-        </p:nvSpPr>
-        <p:spPr>
-          <a:xfrm>
-            <a:off x="-7123" y="4188372"/>
-            <a:ext cx="3096155" cy="1077218"/>
+            <a:off x="9005582" y="4462974"/>
+            <a:ext cx="3096155" cy="830997"/>
           </a:xfrm>
           <a:prstGeom prst="rect">
             <a:avLst/>
@@ -4365,7 +4277,7 @@
               <a:rPr lang="en-GB" sz="1400" dirty="0">
                 <a:latin typeface="+mj-lt"/>
               </a:rPr>
-              <a:t>The polycrisis concept captures the complexity of the world.</a:t>
+              <a:t>The list of crises that make up the current polycrisis is clear.</a:t>
             </a:r>
           </a:p>
           <a:p>
@@ -4392,7 +4304,7 @@
               <a:rPr lang="en-GB" sz="1400" dirty="0">
                 <a:latin typeface="+mj-lt"/>
               </a:rPr>
-              <a:t>A phenomenon underlying the polycrisis is capitalism.</a:t>
+              <a:t>Even ill defined, the concept is useful</a:t>
             </a:r>
             <a:endParaRPr lang="en-SE" sz="1400" dirty="0">
               <a:latin typeface="+mj-lt"/>
@@ -4414,7 +4326,7 @@
         </p:nvSpPr>
         <p:spPr>
           <a:xfrm>
-            <a:off x="45995" y="2213986"/>
+            <a:off x="45995" y="1680586"/>
             <a:ext cx="3090904" cy="523220"/>
           </a:xfrm>
           <a:prstGeom prst="rect">
@@ -4457,8 +4369,8 @@
         </p:nvCxnSpPr>
         <p:spPr>
           <a:xfrm flipV="1">
-            <a:off x="7286625" y="3846371"/>
-            <a:ext cx="269875" cy="440886"/>
+            <a:off x="7286625" y="3706552"/>
+            <a:ext cx="269875" cy="580705"/>
           </a:xfrm>
           <a:prstGeom prst="line">
             <a:avLst/>
@@ -4500,7 +4412,7 @@
         </p:nvCxnSpPr>
         <p:spPr>
           <a:xfrm>
-            <a:off x="6645275" y="4720334"/>
+            <a:off x="6645275" y="4864159"/>
             <a:ext cx="2364370" cy="15325"/>
           </a:xfrm>
           <a:prstGeom prst="line">
@@ -4527,12 +4439,98 @@
           </a:fontRef>
         </p:style>
       </p:cxnSp>
-      <p:sp>
-        <p:nvSpPr>
-          <p:cNvPr id="47" name="ZoneTexte 46">
-            <a:extLst>
-              <a:ext uri="{FF2B5EF4-FFF2-40B4-BE49-F238E27FC236}">
-                <a16:creationId xmlns:a16="http://schemas.microsoft.com/office/drawing/2014/main" id="{03359BAE-6FB6-95F5-2CA1-A4CEBA7FE061}"/>
+      <p:cxnSp>
+        <p:nvCxnSpPr>
+          <p:cNvPr id="10" name="Connecteur droit 9">
+            <a:extLst>
+              <a:ext uri="{FF2B5EF4-FFF2-40B4-BE49-F238E27FC236}">
+                <a16:creationId xmlns:a16="http://schemas.microsoft.com/office/drawing/2014/main" id="{6B4EDB1F-9BA1-899C-710C-552812E75685}"/>
+              </a:ext>
+            </a:extLst>
+          </p:cNvPr>
+          <p:cNvCxnSpPr>
+            <a:cxnSpLocks/>
+          </p:cNvCxnSpPr>
+          <p:nvPr/>
+        </p:nvCxnSpPr>
+        <p:spPr>
+          <a:xfrm>
+            <a:off x="3089032" y="2627996"/>
+            <a:ext cx="1521068" cy="0"/>
+          </a:xfrm>
+          <a:prstGeom prst="line">
+            <a:avLst/>
+          </a:prstGeom>
+          <a:ln w="12700">
+            <a:solidFill>
+              <a:schemeClr val="accent2"/>
+            </a:solidFill>
+          </a:ln>
+        </p:spPr>
+        <p:style>
+          <a:lnRef idx="2">
+            <a:schemeClr val="dk1"/>
+          </a:lnRef>
+          <a:fillRef idx="0">
+            <a:schemeClr val="dk1"/>
+          </a:fillRef>
+          <a:effectRef idx="1">
+            <a:schemeClr val="dk1"/>
+          </a:effectRef>
+          <a:fontRef idx="minor">
+            <a:schemeClr val="tx1"/>
+          </a:fontRef>
+        </p:style>
+      </p:cxnSp>
+      <p:cxnSp>
+        <p:nvCxnSpPr>
+          <p:cNvPr id="18" name="Connecteur droit 17">
+            <a:extLst>
+              <a:ext uri="{FF2B5EF4-FFF2-40B4-BE49-F238E27FC236}">
+                <a16:creationId xmlns:a16="http://schemas.microsoft.com/office/drawing/2014/main" id="{FA82E548-0F28-2EC5-36B5-B5295701D086}"/>
+              </a:ext>
+            </a:extLst>
+          </p:cNvPr>
+          <p:cNvCxnSpPr>
+            <a:cxnSpLocks/>
+          </p:cNvCxnSpPr>
+          <p:nvPr/>
+        </p:nvCxnSpPr>
+        <p:spPr>
+          <a:xfrm>
+            <a:off x="7645400" y="2627996"/>
+            <a:ext cx="1360182" cy="0"/>
+          </a:xfrm>
+          <a:prstGeom prst="line">
+            <a:avLst/>
+          </a:prstGeom>
+          <a:ln w="12700">
+            <a:solidFill>
+              <a:schemeClr val="accent2"/>
+            </a:solidFill>
+          </a:ln>
+        </p:spPr>
+        <p:style>
+          <a:lnRef idx="2">
+            <a:schemeClr val="dk1"/>
+          </a:lnRef>
+          <a:fillRef idx="0">
+            <a:schemeClr val="dk1"/>
+          </a:fillRef>
+          <a:effectRef idx="1">
+            <a:schemeClr val="dk1"/>
+          </a:effectRef>
+          <a:fontRef idx="minor">
+            <a:schemeClr val="tx1"/>
+          </a:fontRef>
+        </p:style>
+      </p:cxnSp>
+      <p:sp>
+        <p:nvSpPr>
+          <p:cNvPr id="26" name="ZoneTexte 25">
+            <a:extLst>
+              <a:ext uri="{FF2B5EF4-FFF2-40B4-BE49-F238E27FC236}">
+                <a16:creationId xmlns:a16="http://schemas.microsoft.com/office/drawing/2014/main" id="{C9738FC3-3209-A214-8119-E065812F4AF9}"/>
               </a:ext>
             </a:extLst>
           </p:cNvPr>
@@ -4541,8 +4539,8 @@
         </p:nvSpPr>
         <p:spPr>
           <a:xfrm>
-            <a:off x="9029352" y="4458724"/>
-            <a:ext cx="3162648" cy="738664"/>
+            <a:off x="-53708" y="2265014"/>
+            <a:ext cx="3090904" cy="738664"/>
           </a:xfrm>
           <a:prstGeom prst="rect">
             <a:avLst/>
@@ -4550,7 +4548,7 @@
           <a:noFill/>
         </p:spPr>
         <p:txBody>
-          <a:bodyPr wrap="square" rtlCol="0">
+          <a:bodyPr wrap="square">
             <a:spAutoFit/>
           </a:bodyPr>
           <a:lstStyle/>
@@ -4560,7 +4558,218 @@
               <a:rPr lang="en-GB" sz="1400" dirty="0">
                 <a:latin typeface="+mj-lt"/>
               </a:rPr>
-              <a:t>The polycrisis is rooted in a geopolitical order constructed by Western colonialism.</a:t>
+              <a:t>The current state of knowledge does not allow us to understand the state of the polycrisis.</a:t>
+            </a:r>
+            <a:endParaRPr lang="en-SE" sz="1400" dirty="0">
+              <a:latin typeface="+mj-lt"/>
+            </a:endParaRPr>
+          </a:p>
+        </p:txBody>
+      </p:sp>
+      <p:cxnSp>
+        <p:nvCxnSpPr>
+          <p:cNvPr id="29" name="Connecteur droit 28">
+            <a:extLst>
+              <a:ext uri="{FF2B5EF4-FFF2-40B4-BE49-F238E27FC236}">
+                <a16:creationId xmlns:a16="http://schemas.microsoft.com/office/drawing/2014/main" id="{5EDBF29C-6F0C-68AC-C2B3-7B858B59EB7F}"/>
+              </a:ext>
+            </a:extLst>
+          </p:cNvPr>
+          <p:cNvCxnSpPr>
+            <a:cxnSpLocks/>
+          </p:cNvCxnSpPr>
+          <p:nvPr/>
+        </p:nvCxnSpPr>
+        <p:spPr>
+          <a:xfrm flipV="1">
+            <a:off x="6070547" y="4864159"/>
+            <a:ext cx="574728" cy="169349"/>
+          </a:xfrm>
+          <a:prstGeom prst="line">
+            <a:avLst/>
+          </a:prstGeom>
+          <a:ln w="12700">
+            <a:solidFill>
+              <a:schemeClr val="accent2"/>
+            </a:solidFill>
+          </a:ln>
+        </p:spPr>
+        <p:style>
+          <a:lnRef idx="2">
+            <a:schemeClr val="dk1"/>
+          </a:lnRef>
+          <a:fillRef idx="0">
+            <a:schemeClr val="dk1"/>
+          </a:fillRef>
+          <a:effectRef idx="1">
+            <a:schemeClr val="dk1"/>
+          </a:effectRef>
+          <a:fontRef idx="minor">
+            <a:schemeClr val="tx1"/>
+          </a:fontRef>
+        </p:style>
+      </p:cxnSp>
+      <p:cxnSp>
+        <p:nvCxnSpPr>
+          <p:cNvPr id="40" name="Connecteur droit 39">
+            <a:extLst>
+              <a:ext uri="{FF2B5EF4-FFF2-40B4-BE49-F238E27FC236}">
+                <a16:creationId xmlns:a16="http://schemas.microsoft.com/office/drawing/2014/main" id="{24C9E22E-EAB5-E246-AEC0-4393F7341AC0}"/>
+              </a:ext>
+            </a:extLst>
+          </p:cNvPr>
+          <p:cNvCxnSpPr>
+            <a:cxnSpLocks/>
+          </p:cNvCxnSpPr>
+          <p:nvPr/>
+        </p:nvCxnSpPr>
+        <p:spPr>
+          <a:xfrm>
+            <a:off x="3089032" y="3358246"/>
+            <a:ext cx="2091576" cy="0"/>
+          </a:xfrm>
+          <a:prstGeom prst="line">
+            <a:avLst/>
+          </a:prstGeom>
+          <a:ln w="12700">
+            <a:solidFill>
+              <a:schemeClr val="accent2"/>
+            </a:solidFill>
+          </a:ln>
+        </p:spPr>
+        <p:style>
+          <a:lnRef idx="2">
+            <a:schemeClr val="dk1"/>
+          </a:lnRef>
+          <a:fillRef idx="0">
+            <a:schemeClr val="dk1"/>
+          </a:fillRef>
+          <a:effectRef idx="1">
+            <a:schemeClr val="dk1"/>
+          </a:effectRef>
+          <a:fontRef idx="minor">
+            <a:schemeClr val="tx1"/>
+          </a:fontRef>
+        </p:style>
+      </p:cxnSp>
+      <p:cxnSp>
+        <p:nvCxnSpPr>
+          <p:cNvPr id="43" name="Connecteur droit 42">
+            <a:extLst>
+              <a:ext uri="{FF2B5EF4-FFF2-40B4-BE49-F238E27FC236}">
+                <a16:creationId xmlns:a16="http://schemas.microsoft.com/office/drawing/2014/main" id="{C7584656-6ECC-CE48-56BA-B9EBEFABE1E0}"/>
+              </a:ext>
+            </a:extLst>
+          </p:cNvPr>
+          <p:cNvCxnSpPr>
+            <a:cxnSpLocks/>
+          </p:cNvCxnSpPr>
+          <p:nvPr/>
+        </p:nvCxnSpPr>
+        <p:spPr>
+          <a:xfrm>
+            <a:off x="3089032" y="4718773"/>
+            <a:ext cx="2441818" cy="0"/>
+          </a:xfrm>
+          <a:prstGeom prst="line">
+            <a:avLst/>
+          </a:prstGeom>
+          <a:ln w="12700">
+            <a:solidFill>
+              <a:schemeClr val="accent2"/>
+            </a:solidFill>
+          </a:ln>
+        </p:spPr>
+        <p:style>
+          <a:lnRef idx="2">
+            <a:schemeClr val="dk1"/>
+          </a:lnRef>
+          <a:fillRef idx="0">
+            <a:schemeClr val="dk1"/>
+          </a:fillRef>
+          <a:effectRef idx="1">
+            <a:schemeClr val="dk1"/>
+          </a:effectRef>
+          <a:fontRef idx="minor">
+            <a:schemeClr val="tx1"/>
+          </a:fontRef>
+        </p:style>
+      </p:cxnSp>
+      <p:sp>
+        <p:nvSpPr>
+          <p:cNvPr id="46" name="ZoneTexte 45">
+            <a:extLst>
+              <a:ext uri="{FF2B5EF4-FFF2-40B4-BE49-F238E27FC236}">
+                <a16:creationId xmlns:a16="http://schemas.microsoft.com/office/drawing/2014/main" id="{33818200-8A21-6246-F9A6-1198C515AB8E}"/>
+              </a:ext>
+            </a:extLst>
+          </p:cNvPr>
+          <p:cNvSpPr txBox="1"/>
+          <p:nvPr/>
+        </p:nvSpPr>
+        <p:spPr>
+          <a:xfrm>
+            <a:off x="-20536" y="3096636"/>
+            <a:ext cx="3090904" cy="523220"/>
+          </a:xfrm>
+          <a:prstGeom prst="rect">
+            <a:avLst/>
+          </a:prstGeom>
+          <a:noFill/>
+        </p:spPr>
+        <p:txBody>
+          <a:bodyPr wrap="square">
+            <a:spAutoFit/>
+          </a:bodyPr>
+          <a:lstStyle/>
+          <a:p>
+            <a:pPr algn="ctr"/>
+            <a:r>
+              <a:rPr lang="en-GB" sz="1400" dirty="0">
+                <a:latin typeface="+mj-lt"/>
+              </a:rPr>
+              <a:t>Understanding the polycrisis is beyond what is individually possible.</a:t>
+            </a:r>
+            <a:endParaRPr lang="en-SE" sz="1400" dirty="0">
+              <a:latin typeface="+mj-lt"/>
+            </a:endParaRPr>
+          </a:p>
+        </p:txBody>
+      </p:sp>
+      <p:sp>
+        <p:nvSpPr>
+          <p:cNvPr id="48" name="ZoneTexte 47">
+            <a:extLst>
+              <a:ext uri="{FF2B5EF4-FFF2-40B4-BE49-F238E27FC236}">
+                <a16:creationId xmlns:a16="http://schemas.microsoft.com/office/drawing/2014/main" id="{D702D8F9-A80E-24F2-5F3B-4FD742DBDDE3}"/>
+              </a:ext>
+            </a:extLst>
+          </p:cNvPr>
+          <p:cNvSpPr txBox="1"/>
+          <p:nvPr/>
+        </p:nvSpPr>
+        <p:spPr>
+          <a:xfrm>
+            <a:off x="-20536" y="4473038"/>
+            <a:ext cx="3090904" cy="523220"/>
+          </a:xfrm>
+          <a:prstGeom prst="rect">
+            <a:avLst/>
+          </a:prstGeom>
+          <a:noFill/>
+        </p:spPr>
+        <p:txBody>
+          <a:bodyPr wrap="square">
+            <a:spAutoFit/>
+          </a:bodyPr>
+          <a:lstStyle/>
+          <a:p>
+            <a:pPr algn="ctr"/>
+            <a:r>
+              <a:rPr lang="en-GB" sz="1400" dirty="0">
+                <a:latin typeface="+mj-lt"/>
+              </a:rPr>
+              <a:t>The polycrisis concept captures the complexity of the world.</a:t>
             </a:r>
             <a:endParaRPr lang="en-SE" sz="1400" dirty="0">
               <a:latin typeface="+mj-lt"/>
